--- a/MPP_final_ppt.pptx
+++ b/MPP_final_ppt.pptx
@@ -5419,7 +5419,7 @@
         </p:nvSpPr>
         <p:spPr>
           <a:xfrm>
-            <a:off x="594564" y="4629110"/>
+            <a:off x="594564" y="4854886"/>
             <a:ext cx="6678481" cy="307777"/>
           </a:xfrm>
           <a:prstGeom prst="rect">
@@ -6392,7 +6392,7 @@
         </p:nvSpPr>
         <p:spPr>
           <a:xfrm>
-            <a:off x="594564" y="5008260"/>
+            <a:off x="594564" y="5135259"/>
             <a:ext cx="7019870" cy="1477328"/>
           </a:xfrm>
           <a:prstGeom prst="rect">
@@ -6564,6 +6564,137 @@
           </a:p>
         </p:txBody>
       </p:sp>
+      <p:sp>
+        <p:nvSpPr>
+          <p:cNvPr id="47" name="TextBox 46"/>
+          <p:cNvSpPr txBox="1"/>
+          <p:nvPr/>
+        </p:nvSpPr>
+        <p:spPr>
+          <a:xfrm>
+            <a:off x="6355341" y="4510010"/>
+            <a:ext cx="1699936" cy="430887"/>
+          </a:xfrm>
+          <a:prstGeom prst="rect">
+            <a:avLst/>
+          </a:prstGeom>
+          <a:noFill/>
+        </p:spPr>
+        <p:txBody>
+          <a:bodyPr wrap="none" rtlCol="0">
+            <a:spAutoFit/>
+          </a:bodyPr>
+          <a:lstStyle/>
+          <a:p>
+            <a:pPr algn="r"/>
+            <a:r>
+              <a:rPr lang="en-US" sz="1100" b="1" dirty="0" smtClean="0">
+                <a:solidFill>
+                  <a:srgbClr val="4F81BD"/>
+                </a:solidFill>
+              </a:rPr>
+              <a:t>if </a:t>
+            </a:r>
+            <a:r>
+              <a:rPr lang="en-US" sz="1100" b="1" dirty="0" err="1" smtClean="0">
+                <a:solidFill>
+                  <a:srgbClr val="4F81BD"/>
+                </a:solidFill>
+              </a:rPr>
+              <a:t>start_time</a:t>
+            </a:r>
+            <a:r>
+              <a:rPr lang="en-US" sz="1100" b="1" dirty="0" smtClean="0">
+                <a:solidFill>
+                  <a:srgbClr val="4F81BD"/>
+                </a:solidFill>
+              </a:rPr>
+              <a:t> &gt; global time</a:t>
+            </a:r>
+          </a:p>
+          <a:p>
+            <a:pPr algn="r"/>
+            <a:r>
+              <a:rPr lang="en-US" sz="1100" b="1" dirty="0" smtClean="0">
+                <a:solidFill>
+                  <a:srgbClr val="4F81BD"/>
+                </a:solidFill>
+              </a:rPr>
+              <a:t>then </a:t>
+            </a:r>
+            <a:r>
+              <a:rPr lang="en-US" sz="1100" b="1" dirty="0" err="1" smtClean="0">
+                <a:solidFill>
+                  <a:srgbClr val="4F81BD"/>
+                </a:solidFill>
+              </a:rPr>
+              <a:t>enq</a:t>
+            </a:r>
+            <a:r>
+              <a:rPr lang="en-US" sz="1100" b="1" dirty="0" smtClean="0">
+                <a:solidFill>
+                  <a:srgbClr val="4F81BD"/>
+                </a:solidFill>
+              </a:rPr>
+              <a:t>() &amp; re-</a:t>
+            </a:r>
+            <a:r>
+              <a:rPr lang="en-US" sz="1100" b="1" dirty="0" err="1" smtClean="0">
+                <a:solidFill>
+                  <a:srgbClr val="4F81BD"/>
+                </a:solidFill>
+              </a:rPr>
+              <a:t>sched</a:t>
+            </a:r>
+            <a:r>
+              <a:rPr lang="en-US" sz="1100" b="1" dirty="0" smtClean="0">
+                <a:solidFill>
+                  <a:srgbClr val="4F81BD"/>
+                </a:solidFill>
+              </a:rPr>
+              <a:t>()</a:t>
+            </a:r>
+            <a:endParaRPr lang="en-US" sz="1100" b="1" dirty="0">
+              <a:solidFill>
+                <a:srgbClr val="4F81BD"/>
+              </a:solidFill>
+            </a:endParaRPr>
+          </a:p>
+        </p:txBody>
+      </p:sp>
+      <p:cxnSp>
+        <p:nvCxnSpPr>
+          <p:cNvPr id="49" name="Straight Arrow Connector 48"/>
+          <p:cNvCxnSpPr/>
+          <p:nvPr/>
+        </p:nvCxnSpPr>
+        <p:spPr>
+          <a:xfrm flipV="1">
+            <a:off x="7783766" y="4311233"/>
+            <a:ext cx="0" cy="349199"/>
+          </a:xfrm>
+          <a:prstGeom prst="straightConnector1">
+            <a:avLst/>
+          </a:prstGeom>
+          <a:ln>
+            <a:tailEnd type="arrow"/>
+          </a:ln>
+        </p:spPr>
+        <p:style>
+          <a:lnRef idx="2">
+            <a:schemeClr val="accent1"/>
+          </a:lnRef>
+          <a:fillRef idx="0">
+            <a:schemeClr val="accent1"/>
+          </a:fillRef>
+          <a:effectRef idx="1">
+            <a:schemeClr val="accent1"/>
+          </a:effectRef>
+          <a:fontRef idx="minor">
+            <a:schemeClr val="tx1"/>
+          </a:fontRef>
+        </p:style>
+      </p:cxnSp>
     </p:spTree>
     <p:extLst>
       <p:ext uri="{BB962C8B-B14F-4D97-AF65-F5344CB8AC3E}">
@@ -7168,39 +7299,6 @@
           </a:fontRef>
         </p:style>
       </p:cxnSp>
-      <p:sp>
-        <p:nvSpPr>
-          <p:cNvPr id="100" name="TextBox 99"/>
-          <p:cNvSpPr txBox="1"/>
-          <p:nvPr/>
-        </p:nvSpPr>
-        <p:spPr>
-          <a:xfrm>
-            <a:off x="594564" y="4629110"/>
-            <a:ext cx="6678481" cy="307777"/>
-          </a:xfrm>
-          <a:prstGeom prst="rect">
-            <a:avLst/>
-          </a:prstGeom>
-          <a:noFill/>
-        </p:spPr>
-        <p:txBody>
-          <a:bodyPr wrap="none" rtlCol="0">
-            <a:spAutoFit/>
-          </a:bodyPr>
-          <a:lstStyle/>
-          <a:p>
-            <a:r>
-              <a:rPr lang="en-US" sz="1400" dirty="0" smtClean="0"/>
-              <a:t>1 thread (CPU4) keeps polling whether there is a external interrupt </a:t>
-            </a:r>
-            <a:r>
-              <a:rPr lang="en-US" sz="1400" dirty="0"/>
-              <a:t>(e.g. new task comes)</a:t>
-            </a:r>
-          </a:p>
-        </p:txBody>
-      </p:sp>
       <p:cxnSp>
         <p:nvCxnSpPr>
           <p:cNvPr id="101" name="Straight Connector 100"/>
@@ -8152,7 +8250,7 @@
         </p:nvSpPr>
         <p:spPr>
           <a:xfrm>
-            <a:off x="594564" y="5006195"/>
+            <a:off x="594564" y="5133194"/>
             <a:ext cx="6026710" cy="1723549"/>
           </a:xfrm>
           <a:prstGeom prst="rect">
@@ -8271,6 +8369,205 @@
           </a:p>
         </p:txBody>
       </p:sp>
+      <p:sp>
+        <p:nvSpPr>
+          <p:cNvPr id="45" name="TextBox 44"/>
+          <p:cNvSpPr txBox="1"/>
+          <p:nvPr/>
+        </p:nvSpPr>
+        <p:spPr>
+          <a:xfrm>
+            <a:off x="3953884" y="4011241"/>
+            <a:ext cx="505267" cy="276999"/>
+          </a:xfrm>
+          <a:prstGeom prst="rect">
+            <a:avLst/>
+          </a:prstGeom>
+          <a:noFill/>
+        </p:spPr>
+        <p:txBody>
+          <a:bodyPr wrap="none" rtlCol="0">
+            <a:spAutoFit/>
+          </a:bodyPr>
+          <a:lstStyle/>
+          <a:p>
+            <a:r>
+              <a:rPr lang="en-US" sz="1200" dirty="0" smtClean="0">
+                <a:solidFill>
+                  <a:srgbClr val="0000FF"/>
+                </a:solidFill>
+              </a:rPr>
+              <a:t>done</a:t>
+            </a:r>
+            <a:endParaRPr lang="en-US" sz="1200" dirty="0">
+              <a:solidFill>
+                <a:srgbClr val="0000FF"/>
+              </a:solidFill>
+            </a:endParaRPr>
+          </a:p>
+        </p:txBody>
+      </p:sp>
+      <p:sp>
+        <p:nvSpPr>
+          <p:cNvPr id="46" name="TextBox 45"/>
+          <p:cNvSpPr txBox="1"/>
+          <p:nvPr/>
+        </p:nvSpPr>
+        <p:spPr>
+          <a:xfrm>
+            <a:off x="594564" y="4854886"/>
+            <a:ext cx="6678481" cy="307777"/>
+          </a:xfrm>
+          <a:prstGeom prst="rect">
+            <a:avLst/>
+          </a:prstGeom>
+          <a:noFill/>
+        </p:spPr>
+        <p:txBody>
+          <a:bodyPr wrap="none" rtlCol="0">
+            <a:spAutoFit/>
+          </a:bodyPr>
+          <a:lstStyle/>
+          <a:p>
+            <a:r>
+              <a:rPr lang="en-US" sz="1400" dirty="0" smtClean="0"/>
+              <a:t>1 thread (CPU4) keeps polling whether there is a external interrupt (e.g. new task comes)</a:t>
+            </a:r>
+            <a:endParaRPr lang="en-US" sz="1400" dirty="0"/>
+          </a:p>
+        </p:txBody>
+      </p:sp>
+      <p:sp>
+        <p:nvSpPr>
+          <p:cNvPr id="47" name="TextBox 46"/>
+          <p:cNvSpPr txBox="1"/>
+          <p:nvPr/>
+        </p:nvSpPr>
+        <p:spPr>
+          <a:xfrm>
+            <a:off x="6355341" y="4510010"/>
+            <a:ext cx="1699936" cy="430887"/>
+          </a:xfrm>
+          <a:prstGeom prst="rect">
+            <a:avLst/>
+          </a:prstGeom>
+          <a:noFill/>
+        </p:spPr>
+        <p:txBody>
+          <a:bodyPr wrap="none" rtlCol="0">
+            <a:spAutoFit/>
+          </a:bodyPr>
+          <a:lstStyle/>
+          <a:p>
+            <a:pPr algn="r"/>
+            <a:r>
+              <a:rPr lang="en-US" sz="1100" b="1" dirty="0" smtClean="0">
+                <a:solidFill>
+                  <a:srgbClr val="4F81BD"/>
+                </a:solidFill>
+              </a:rPr>
+              <a:t>if </a:t>
+            </a:r>
+            <a:r>
+              <a:rPr lang="en-US" sz="1100" b="1" dirty="0" err="1" smtClean="0">
+                <a:solidFill>
+                  <a:srgbClr val="4F81BD"/>
+                </a:solidFill>
+              </a:rPr>
+              <a:t>start_time</a:t>
+            </a:r>
+            <a:r>
+              <a:rPr lang="en-US" sz="1100" b="1" dirty="0" smtClean="0">
+                <a:solidFill>
+                  <a:srgbClr val="4F81BD"/>
+                </a:solidFill>
+              </a:rPr>
+              <a:t> &gt; global time</a:t>
+            </a:r>
+          </a:p>
+          <a:p>
+            <a:pPr algn="r"/>
+            <a:r>
+              <a:rPr lang="en-US" sz="1100" b="1" dirty="0" smtClean="0">
+                <a:solidFill>
+                  <a:srgbClr val="4F81BD"/>
+                </a:solidFill>
+              </a:rPr>
+              <a:t>then </a:t>
+            </a:r>
+            <a:r>
+              <a:rPr lang="en-US" sz="1100" b="1" dirty="0" err="1" smtClean="0">
+                <a:solidFill>
+                  <a:srgbClr val="4F81BD"/>
+                </a:solidFill>
+              </a:rPr>
+              <a:t>enq</a:t>
+            </a:r>
+            <a:r>
+              <a:rPr lang="en-US" sz="1100" b="1" dirty="0" smtClean="0">
+                <a:solidFill>
+                  <a:srgbClr val="4F81BD"/>
+                </a:solidFill>
+              </a:rPr>
+              <a:t>() &amp; re-</a:t>
+            </a:r>
+            <a:r>
+              <a:rPr lang="en-US" sz="1100" b="1" dirty="0" err="1" smtClean="0">
+                <a:solidFill>
+                  <a:srgbClr val="4F81BD"/>
+                </a:solidFill>
+              </a:rPr>
+              <a:t>sched</a:t>
+            </a:r>
+            <a:r>
+              <a:rPr lang="en-US" sz="1100" b="1" dirty="0" smtClean="0">
+                <a:solidFill>
+                  <a:srgbClr val="4F81BD"/>
+                </a:solidFill>
+              </a:rPr>
+              <a:t>()</a:t>
+            </a:r>
+            <a:endParaRPr lang="en-US" sz="1100" b="1" dirty="0">
+              <a:solidFill>
+                <a:srgbClr val="4F81BD"/>
+              </a:solidFill>
+            </a:endParaRPr>
+          </a:p>
+        </p:txBody>
+      </p:sp>
+      <p:cxnSp>
+        <p:nvCxnSpPr>
+          <p:cNvPr id="49" name="Straight Arrow Connector 48"/>
+          <p:cNvCxnSpPr/>
+          <p:nvPr/>
+        </p:nvCxnSpPr>
+        <p:spPr>
+          <a:xfrm flipV="1">
+            <a:off x="7783766" y="4311233"/>
+            <a:ext cx="0" cy="349199"/>
+          </a:xfrm>
+          <a:prstGeom prst="straightConnector1">
+            <a:avLst/>
+          </a:prstGeom>
+          <a:ln>
+            <a:tailEnd type="arrow"/>
+          </a:ln>
+        </p:spPr>
+        <p:style>
+          <a:lnRef idx="2">
+            <a:schemeClr val="accent1"/>
+          </a:lnRef>
+          <a:fillRef idx="0">
+            <a:schemeClr val="accent1"/>
+          </a:fillRef>
+          <a:effectRef idx="1">
+            <a:schemeClr val="accent1"/>
+          </a:effectRef>
+          <a:fontRef idx="minor">
+            <a:schemeClr val="tx1"/>
+          </a:fontRef>
+        </p:style>
+      </p:cxnSp>
     </p:spTree>
     <p:extLst>
       <p:ext uri="{BB962C8B-B14F-4D97-AF65-F5344CB8AC3E}">
@@ -8875,36 +9172,6 @@
           </a:fontRef>
         </p:style>
       </p:cxnSp>
-      <p:sp>
-        <p:nvSpPr>
-          <p:cNvPr id="100" name="TextBox 99"/>
-          <p:cNvSpPr txBox="1"/>
-          <p:nvPr/>
-        </p:nvSpPr>
-        <p:spPr>
-          <a:xfrm>
-            <a:off x="594564" y="4629110"/>
-            <a:ext cx="6678481" cy="307777"/>
-          </a:xfrm>
-          <a:prstGeom prst="rect">
-            <a:avLst/>
-          </a:prstGeom>
-          <a:noFill/>
-        </p:spPr>
-        <p:txBody>
-          <a:bodyPr wrap="none" rtlCol="0">
-            <a:spAutoFit/>
-          </a:bodyPr>
-          <a:lstStyle/>
-          <a:p>
-            <a:r>
-              <a:rPr lang="en-US" sz="1400" dirty="0" smtClean="0"/>
-              <a:t>1 thread (CPU4) keeps polling whether there is a external interrupt (e.g. new task comes)</a:t>
-            </a:r>
-            <a:endParaRPr lang="en-US" sz="1400" dirty="0"/>
-          </a:p>
-        </p:txBody>
-      </p:sp>
       <p:cxnSp>
         <p:nvCxnSpPr>
           <p:cNvPr id="101" name="Straight Connector 100"/>
@@ -9856,7 +10123,7 @@
         </p:nvSpPr>
         <p:spPr>
           <a:xfrm>
-            <a:off x="594564" y="4991076"/>
+            <a:off x="594564" y="5118075"/>
             <a:ext cx="5424269" cy="1754327"/>
           </a:xfrm>
           <a:prstGeom prst="rect">
@@ -9950,6 +10217,205 @@
           </a:p>
         </p:txBody>
       </p:sp>
+      <p:sp>
+        <p:nvSpPr>
+          <p:cNvPr id="45" name="TextBox 44"/>
+          <p:cNvSpPr txBox="1"/>
+          <p:nvPr/>
+        </p:nvSpPr>
+        <p:spPr>
+          <a:xfrm>
+            <a:off x="3953884" y="4011241"/>
+            <a:ext cx="505267" cy="276999"/>
+          </a:xfrm>
+          <a:prstGeom prst="rect">
+            <a:avLst/>
+          </a:prstGeom>
+          <a:noFill/>
+        </p:spPr>
+        <p:txBody>
+          <a:bodyPr wrap="none" rtlCol="0">
+            <a:spAutoFit/>
+          </a:bodyPr>
+          <a:lstStyle/>
+          <a:p>
+            <a:r>
+              <a:rPr lang="en-US" sz="1200" dirty="0" smtClean="0">
+                <a:solidFill>
+                  <a:srgbClr val="0000FF"/>
+                </a:solidFill>
+              </a:rPr>
+              <a:t>done</a:t>
+            </a:r>
+            <a:endParaRPr lang="en-US" sz="1200" dirty="0">
+              <a:solidFill>
+                <a:srgbClr val="0000FF"/>
+              </a:solidFill>
+            </a:endParaRPr>
+          </a:p>
+        </p:txBody>
+      </p:sp>
+      <p:sp>
+        <p:nvSpPr>
+          <p:cNvPr id="46" name="TextBox 45"/>
+          <p:cNvSpPr txBox="1"/>
+          <p:nvPr/>
+        </p:nvSpPr>
+        <p:spPr>
+          <a:xfrm>
+            <a:off x="594564" y="4854886"/>
+            <a:ext cx="6678481" cy="307777"/>
+          </a:xfrm>
+          <a:prstGeom prst="rect">
+            <a:avLst/>
+          </a:prstGeom>
+          <a:noFill/>
+        </p:spPr>
+        <p:txBody>
+          <a:bodyPr wrap="none" rtlCol="0">
+            <a:spAutoFit/>
+          </a:bodyPr>
+          <a:lstStyle/>
+          <a:p>
+            <a:r>
+              <a:rPr lang="en-US" sz="1400" dirty="0" smtClean="0"/>
+              <a:t>1 thread (CPU4) keeps polling whether there is a external interrupt (e.g. new task comes)</a:t>
+            </a:r>
+            <a:endParaRPr lang="en-US" sz="1400" dirty="0"/>
+          </a:p>
+        </p:txBody>
+      </p:sp>
+      <p:sp>
+        <p:nvSpPr>
+          <p:cNvPr id="47" name="TextBox 46"/>
+          <p:cNvSpPr txBox="1"/>
+          <p:nvPr/>
+        </p:nvSpPr>
+        <p:spPr>
+          <a:xfrm>
+            <a:off x="6355341" y="4510010"/>
+            <a:ext cx="1699936" cy="430887"/>
+          </a:xfrm>
+          <a:prstGeom prst="rect">
+            <a:avLst/>
+          </a:prstGeom>
+          <a:noFill/>
+        </p:spPr>
+        <p:txBody>
+          <a:bodyPr wrap="none" rtlCol="0">
+            <a:spAutoFit/>
+          </a:bodyPr>
+          <a:lstStyle/>
+          <a:p>
+            <a:pPr algn="r"/>
+            <a:r>
+              <a:rPr lang="en-US" sz="1100" b="1" dirty="0" smtClean="0">
+                <a:solidFill>
+                  <a:srgbClr val="4F81BD"/>
+                </a:solidFill>
+              </a:rPr>
+              <a:t>if </a:t>
+            </a:r>
+            <a:r>
+              <a:rPr lang="en-US" sz="1100" b="1" dirty="0" err="1" smtClean="0">
+                <a:solidFill>
+                  <a:srgbClr val="4F81BD"/>
+                </a:solidFill>
+              </a:rPr>
+              <a:t>start_time</a:t>
+            </a:r>
+            <a:r>
+              <a:rPr lang="en-US" sz="1100" b="1" dirty="0" smtClean="0">
+                <a:solidFill>
+                  <a:srgbClr val="4F81BD"/>
+                </a:solidFill>
+              </a:rPr>
+              <a:t> &gt; global time</a:t>
+            </a:r>
+          </a:p>
+          <a:p>
+            <a:pPr algn="r"/>
+            <a:r>
+              <a:rPr lang="en-US" sz="1100" b="1" dirty="0" smtClean="0">
+                <a:solidFill>
+                  <a:srgbClr val="4F81BD"/>
+                </a:solidFill>
+              </a:rPr>
+              <a:t>then </a:t>
+            </a:r>
+            <a:r>
+              <a:rPr lang="en-US" sz="1100" b="1" dirty="0" err="1" smtClean="0">
+                <a:solidFill>
+                  <a:srgbClr val="4F81BD"/>
+                </a:solidFill>
+              </a:rPr>
+              <a:t>enq</a:t>
+            </a:r>
+            <a:r>
+              <a:rPr lang="en-US" sz="1100" b="1" dirty="0" smtClean="0">
+                <a:solidFill>
+                  <a:srgbClr val="4F81BD"/>
+                </a:solidFill>
+              </a:rPr>
+              <a:t>() &amp; re-</a:t>
+            </a:r>
+            <a:r>
+              <a:rPr lang="en-US" sz="1100" b="1" dirty="0" err="1" smtClean="0">
+                <a:solidFill>
+                  <a:srgbClr val="4F81BD"/>
+                </a:solidFill>
+              </a:rPr>
+              <a:t>sched</a:t>
+            </a:r>
+            <a:r>
+              <a:rPr lang="en-US" sz="1100" b="1" dirty="0" smtClean="0">
+                <a:solidFill>
+                  <a:srgbClr val="4F81BD"/>
+                </a:solidFill>
+              </a:rPr>
+              <a:t>()</a:t>
+            </a:r>
+            <a:endParaRPr lang="en-US" sz="1100" b="1" dirty="0">
+              <a:solidFill>
+                <a:srgbClr val="4F81BD"/>
+              </a:solidFill>
+            </a:endParaRPr>
+          </a:p>
+        </p:txBody>
+      </p:sp>
+      <p:cxnSp>
+        <p:nvCxnSpPr>
+          <p:cNvPr id="49" name="Straight Arrow Connector 48"/>
+          <p:cNvCxnSpPr/>
+          <p:nvPr/>
+        </p:nvCxnSpPr>
+        <p:spPr>
+          <a:xfrm flipV="1">
+            <a:off x="7783766" y="4311233"/>
+            <a:ext cx="0" cy="349199"/>
+          </a:xfrm>
+          <a:prstGeom prst="straightConnector1">
+            <a:avLst/>
+          </a:prstGeom>
+          <a:ln>
+            <a:tailEnd type="arrow"/>
+          </a:ln>
+        </p:spPr>
+        <p:style>
+          <a:lnRef idx="2">
+            <a:schemeClr val="accent1"/>
+          </a:lnRef>
+          <a:fillRef idx="0">
+            <a:schemeClr val="accent1"/>
+          </a:fillRef>
+          <a:effectRef idx="1">
+            <a:schemeClr val="accent1"/>
+          </a:effectRef>
+          <a:fontRef idx="minor">
+            <a:schemeClr val="tx1"/>
+          </a:fontRef>
+        </p:style>
+      </p:cxnSp>
     </p:spTree>
     <p:extLst>
       <p:ext uri="{BB962C8B-B14F-4D97-AF65-F5344CB8AC3E}">
@@ -11992,37 +12458,6 @@
       </p:sp>
       <p:sp>
         <p:nvSpPr>
-          <p:cNvPr id="53" name="TextBox 52"/>
-          <p:cNvSpPr txBox="1"/>
-          <p:nvPr/>
-        </p:nvSpPr>
-        <p:spPr>
-          <a:xfrm>
-            <a:off x="1311315" y="4936887"/>
-            <a:ext cx="7143809" cy="400110"/>
-          </a:xfrm>
-          <a:prstGeom prst="rect">
-            <a:avLst/>
-          </a:prstGeom>
-          <a:noFill/>
-        </p:spPr>
-        <p:txBody>
-          <a:bodyPr wrap="square" rtlCol="0">
-            <a:spAutoFit/>
-          </a:bodyPr>
-          <a:lstStyle/>
-          <a:p>
-            <a:pPr algn="ctr"/>
-            <a:r>
-              <a:rPr lang="en-US" sz="2000" b="1" dirty="0" smtClean="0"/>
-              <a:t>Linux-like CFS scheduler simulator</a:t>
-            </a:r>
-            <a:endParaRPr lang="en-US" sz="2000" b="1" dirty="0"/>
-          </a:p>
-        </p:txBody>
-      </p:sp>
-      <p:sp>
-        <p:nvSpPr>
           <p:cNvPr id="14" name="Rectangle 13"/>
           <p:cNvSpPr/>
           <p:nvPr/>
@@ -12055,9 +12490,42 @@
           </a:p>
         </p:txBody>
       </p:sp>
+      <p:sp>
+        <p:nvSpPr>
+          <p:cNvPr id="3" name="Rectangle 2"/>
+          <p:cNvSpPr/>
+          <p:nvPr/>
+        </p:nvSpPr>
+        <p:spPr>
+          <a:xfrm>
+            <a:off x="368906" y="6276264"/>
+            <a:ext cx="1172579" cy="369332"/>
+          </a:xfrm>
+          <a:prstGeom prst="rect">
+            <a:avLst/>
+          </a:prstGeom>
+        </p:spPr>
+        <p:txBody>
+          <a:bodyPr wrap="none">
+            <a:spAutoFit/>
+          </a:bodyPr>
+          <a:lstStyle/>
+          <a:p>
+            <a:r>
+              <a:rPr lang="en-US" b="1" dirty="0" err="1" smtClean="0"/>
+              <a:t>enqueue</a:t>
+            </a:r>
+            <a:r>
+              <a:rPr lang="en-US" b="1" dirty="0" smtClean="0"/>
+              <a:t>()</a:t>
+            </a:r>
+            <a:endParaRPr lang="en-US" dirty="0"/>
+          </a:p>
+        </p:txBody>
+      </p:sp>
       <p:cxnSp>
         <p:nvCxnSpPr>
-          <p:cNvPr id="46" name="Straight Arrow Connector 45"/>
+          <p:cNvPr id="48" name="Straight Arrow Connector 47"/>
           <p:cNvCxnSpPr/>
           <p:nvPr/>
         </p:nvCxnSpPr>
@@ -12091,7 +12559,7 @@
       </p:cxnSp>
       <p:cxnSp>
         <p:nvCxnSpPr>
-          <p:cNvPr id="47" name="Straight Connector 46"/>
+          <p:cNvPr id="51" name="Straight Connector 50"/>
           <p:cNvCxnSpPr/>
           <p:nvPr/>
         </p:nvCxnSpPr>
@@ -12125,7 +12593,7 @@
       </p:cxnSp>
       <p:cxnSp>
         <p:nvCxnSpPr>
-          <p:cNvPr id="49" name="Straight Connector 48"/>
+          <p:cNvPr id="86" name="Straight Connector 85"/>
           <p:cNvCxnSpPr/>
           <p:nvPr/>
         </p:nvCxnSpPr>
@@ -12159,7 +12627,7 @@
       </p:cxnSp>
       <p:cxnSp>
         <p:nvCxnSpPr>
-          <p:cNvPr id="50" name="Straight Connector 49"/>
+          <p:cNvPr id="92" name="Straight Connector 91"/>
           <p:cNvCxnSpPr/>
           <p:nvPr/>
         </p:nvCxnSpPr>
@@ -12193,7 +12661,7 @@
       </p:cxnSp>
       <p:sp>
         <p:nvSpPr>
-          <p:cNvPr id="52" name="Rounded Rectangle 51"/>
+          <p:cNvPr id="93" name="Rounded Rectangle 92"/>
           <p:cNvSpPr/>
           <p:nvPr/>
         </p:nvSpPr>
@@ -12251,7 +12719,7 @@
       </p:sp>
       <p:sp>
         <p:nvSpPr>
-          <p:cNvPr id="54" name="TextBox 53"/>
+          <p:cNvPr id="94" name="TextBox 93"/>
           <p:cNvSpPr txBox="1"/>
           <p:nvPr/>
         </p:nvSpPr>
@@ -12281,7 +12749,7 @@
       </p:sp>
       <p:sp>
         <p:nvSpPr>
-          <p:cNvPr id="55" name="TextBox 54"/>
+          <p:cNvPr id="95" name="TextBox 94"/>
           <p:cNvSpPr txBox="1"/>
           <p:nvPr/>
         </p:nvSpPr>
@@ -12311,7 +12779,7 @@
       </p:sp>
       <p:sp>
         <p:nvSpPr>
-          <p:cNvPr id="56" name="TextBox 55"/>
+          <p:cNvPr id="96" name="TextBox 95"/>
           <p:cNvSpPr txBox="1"/>
           <p:nvPr/>
         </p:nvSpPr>
@@ -12341,7 +12809,7 @@
       </p:sp>
       <p:sp>
         <p:nvSpPr>
-          <p:cNvPr id="57" name="TextBox 56"/>
+          <p:cNvPr id="97" name="TextBox 96"/>
           <p:cNvSpPr txBox="1"/>
           <p:nvPr/>
         </p:nvSpPr>
@@ -12370,7 +12838,7 @@
       </p:sp>
       <p:cxnSp>
         <p:nvCxnSpPr>
-          <p:cNvPr id="58" name="Straight Connector 57"/>
+          <p:cNvPr id="98" name="Straight Connector 97"/>
           <p:cNvCxnSpPr/>
           <p:nvPr/>
         </p:nvCxnSpPr>
@@ -12408,7 +12876,7 @@
       </p:cxnSp>
       <p:cxnSp>
         <p:nvCxnSpPr>
-          <p:cNvPr id="59" name="Straight Connector 58"/>
+          <p:cNvPr id="99" name="Straight Connector 98"/>
           <p:cNvCxnSpPr/>
           <p:nvPr/>
         </p:nvCxnSpPr>
@@ -12444,7 +12912,7 @@
       </p:cxnSp>
       <p:cxnSp>
         <p:nvCxnSpPr>
-          <p:cNvPr id="60" name="Straight Connector 59"/>
+          <p:cNvPr id="100" name="Straight Connector 99"/>
           <p:cNvCxnSpPr/>
           <p:nvPr/>
         </p:nvCxnSpPr>
@@ -12480,7 +12948,7 @@
       </p:cxnSp>
       <p:cxnSp>
         <p:nvCxnSpPr>
-          <p:cNvPr id="61" name="Straight Connector 60"/>
+          <p:cNvPr id="101" name="Straight Connector 100"/>
           <p:cNvCxnSpPr/>
           <p:nvPr/>
         </p:nvCxnSpPr>
@@ -12516,7 +12984,7 @@
       </p:cxnSp>
       <p:cxnSp>
         <p:nvCxnSpPr>
-          <p:cNvPr id="62" name="Straight Connector 61"/>
+          <p:cNvPr id="102" name="Straight Connector 101"/>
           <p:cNvCxnSpPr/>
           <p:nvPr/>
         </p:nvCxnSpPr>
@@ -12552,7 +13020,7 @@
       </p:cxnSp>
       <p:cxnSp>
         <p:nvCxnSpPr>
-          <p:cNvPr id="63" name="Straight Connector 62"/>
+          <p:cNvPr id="103" name="Straight Connector 102"/>
           <p:cNvCxnSpPr/>
           <p:nvPr/>
         </p:nvCxnSpPr>
@@ -12588,7 +13056,7 @@
       </p:cxnSp>
       <p:cxnSp>
         <p:nvCxnSpPr>
-          <p:cNvPr id="64" name="Straight Connector 63"/>
+          <p:cNvPr id="104" name="Straight Connector 103"/>
           <p:cNvCxnSpPr/>
           <p:nvPr/>
         </p:nvCxnSpPr>
@@ -12624,13 +13092,13 @@
       </p:cxnSp>
       <p:sp>
         <p:nvSpPr>
-          <p:cNvPr id="65" name="TextBox 64"/>
+          <p:cNvPr id="105" name="TextBox 104"/>
           <p:cNvSpPr txBox="1"/>
           <p:nvPr/>
         </p:nvSpPr>
         <p:spPr>
           <a:xfrm>
-            <a:off x="594564" y="4629110"/>
+            <a:off x="594564" y="4981885"/>
             <a:ext cx="6678481" cy="307777"/>
           </a:xfrm>
           <a:prstGeom prst="rect">
@@ -12654,7 +13122,7 @@
       </p:sp>
       <p:cxnSp>
         <p:nvCxnSpPr>
-          <p:cNvPr id="66" name="Straight Connector 65"/>
+          <p:cNvPr id="106" name="Straight Connector 105"/>
           <p:cNvCxnSpPr/>
           <p:nvPr/>
         </p:nvCxnSpPr>
@@ -12690,7 +13158,7 @@
       </p:cxnSp>
       <p:cxnSp>
         <p:nvCxnSpPr>
-          <p:cNvPr id="67" name="Straight Connector 66"/>
+          <p:cNvPr id="107" name="Straight Connector 106"/>
           <p:cNvCxnSpPr/>
           <p:nvPr/>
         </p:nvCxnSpPr>
@@ -12726,7 +13194,7 @@
       </p:cxnSp>
       <p:cxnSp>
         <p:nvCxnSpPr>
-          <p:cNvPr id="68" name="Straight Connector 67"/>
+          <p:cNvPr id="108" name="Straight Connector 107"/>
           <p:cNvCxnSpPr/>
           <p:nvPr/>
         </p:nvCxnSpPr>
@@ -12762,7 +13230,7 @@
       </p:cxnSp>
       <p:cxnSp>
         <p:nvCxnSpPr>
-          <p:cNvPr id="69" name="Straight Connector 68"/>
+          <p:cNvPr id="109" name="Straight Connector 108"/>
           <p:cNvCxnSpPr/>
           <p:nvPr/>
         </p:nvCxnSpPr>
@@ -12798,9 +13266,9 @@
       </p:cxnSp>
       <p:cxnSp>
         <p:nvCxnSpPr>
-          <p:cNvPr id="70" name="Curved Connector 69"/>
+          <p:cNvPr id="110" name="Curved Connector 109"/>
           <p:cNvCxnSpPr>
-            <a:endCxn id="52" idx="3"/>
+            <a:endCxn id="93" idx="3"/>
           </p:cNvCxnSpPr>
           <p:nvPr/>
         </p:nvCxnSpPr>
@@ -12838,7 +13306,7 @@
       </p:cxnSp>
       <p:cxnSp>
         <p:nvCxnSpPr>
-          <p:cNvPr id="71" name="Straight Connector 70"/>
+          <p:cNvPr id="111" name="Straight Connector 110"/>
           <p:cNvCxnSpPr/>
           <p:nvPr/>
         </p:nvCxnSpPr>
@@ -12874,9 +13342,9 @@
       </p:cxnSp>
       <p:cxnSp>
         <p:nvCxnSpPr>
-          <p:cNvPr id="72" name="Curved Connector 71"/>
+          <p:cNvPr id="112" name="Curved Connector 111"/>
           <p:cNvCxnSpPr>
-            <a:endCxn id="52" idx="3"/>
+            <a:endCxn id="93" idx="3"/>
           </p:cNvCxnSpPr>
           <p:nvPr/>
         </p:nvCxnSpPr>
@@ -12914,7 +13382,7 @@
       </p:cxnSp>
       <p:cxnSp>
         <p:nvCxnSpPr>
-          <p:cNvPr id="73" name="Straight Arrow Connector 72"/>
+          <p:cNvPr id="113" name="Straight Arrow Connector 112"/>
           <p:cNvCxnSpPr/>
           <p:nvPr/>
         </p:nvCxnSpPr>
@@ -12947,7 +13415,7 @@
       </p:cxnSp>
       <p:cxnSp>
         <p:nvCxnSpPr>
-          <p:cNvPr id="74" name="Straight Arrow Connector 73"/>
+          <p:cNvPr id="114" name="Straight Arrow Connector 113"/>
           <p:cNvCxnSpPr/>
           <p:nvPr/>
         </p:nvCxnSpPr>
@@ -12980,7 +13448,7 @@
       </p:cxnSp>
       <p:cxnSp>
         <p:nvCxnSpPr>
-          <p:cNvPr id="75" name="Straight Arrow Connector 74"/>
+          <p:cNvPr id="115" name="Straight Arrow Connector 114"/>
           <p:cNvCxnSpPr/>
           <p:nvPr/>
         </p:nvCxnSpPr>
@@ -13013,7 +13481,7 @@
       </p:cxnSp>
       <p:sp>
         <p:nvSpPr>
-          <p:cNvPr id="76" name="TextBox 75"/>
+          <p:cNvPr id="116" name="TextBox 115"/>
           <p:cNvSpPr txBox="1"/>
           <p:nvPr/>
         </p:nvSpPr>
@@ -13079,9 +13547,9 @@
       </p:sp>
       <p:cxnSp>
         <p:nvCxnSpPr>
-          <p:cNvPr id="77" name="Curved Connector 76"/>
+          <p:cNvPr id="117" name="Curved Connector 116"/>
           <p:cNvCxnSpPr>
-            <a:stCxn id="52" idx="3"/>
+            <a:stCxn id="93" idx="3"/>
           </p:cNvCxnSpPr>
           <p:nvPr/>
         </p:nvCxnSpPr>
@@ -13117,9 +13585,9 @@
       </p:cxnSp>
       <p:cxnSp>
         <p:nvCxnSpPr>
-          <p:cNvPr id="78" name="Curved Connector 77"/>
+          <p:cNvPr id="118" name="Curved Connector 117"/>
           <p:cNvCxnSpPr>
-            <a:stCxn id="52" idx="3"/>
+            <a:stCxn id="93" idx="3"/>
           </p:cNvCxnSpPr>
           <p:nvPr/>
         </p:nvCxnSpPr>
@@ -13157,9 +13625,9 @@
       </p:cxnSp>
       <p:cxnSp>
         <p:nvCxnSpPr>
-          <p:cNvPr id="79" name="Curved Connector 78"/>
+          <p:cNvPr id="119" name="Curved Connector 118"/>
           <p:cNvCxnSpPr>
-            <a:stCxn id="52" idx="3"/>
+            <a:stCxn id="93" idx="3"/>
           </p:cNvCxnSpPr>
           <p:nvPr/>
         </p:nvCxnSpPr>
@@ -13197,7 +13665,7 @@
       </p:cxnSp>
       <p:sp>
         <p:nvSpPr>
-          <p:cNvPr id="80" name="TextBox 79"/>
+          <p:cNvPr id="120" name="TextBox 119"/>
           <p:cNvSpPr txBox="1"/>
           <p:nvPr/>
         </p:nvSpPr>
@@ -13235,7 +13703,7 @@
       </p:sp>
       <p:cxnSp>
         <p:nvCxnSpPr>
-          <p:cNvPr id="81" name="Straight Arrow Connector 80"/>
+          <p:cNvPr id="121" name="Straight Arrow Connector 120"/>
           <p:cNvCxnSpPr/>
           <p:nvPr/>
         </p:nvCxnSpPr>
@@ -13268,7 +13736,7 @@
       </p:cxnSp>
       <p:sp>
         <p:nvSpPr>
-          <p:cNvPr id="82" name="TextBox 81"/>
+          <p:cNvPr id="122" name="TextBox 121"/>
           <p:cNvSpPr txBox="1"/>
           <p:nvPr/>
         </p:nvSpPr>
@@ -13306,9 +13774,9 @@
       </p:sp>
       <p:cxnSp>
         <p:nvCxnSpPr>
-          <p:cNvPr id="83" name="Straight Arrow Connector 82"/>
+          <p:cNvPr id="123" name="Straight Arrow Connector 122"/>
           <p:cNvCxnSpPr>
-            <a:stCxn id="82" idx="1"/>
+            <a:stCxn id="122" idx="1"/>
           </p:cNvCxnSpPr>
           <p:nvPr/>
         </p:nvCxnSpPr>
@@ -13345,9 +13813,9 @@
       </p:cxnSp>
       <p:cxnSp>
         <p:nvCxnSpPr>
-          <p:cNvPr id="84" name="Straight Arrow Connector 83"/>
+          <p:cNvPr id="124" name="Straight Arrow Connector 123"/>
           <p:cNvCxnSpPr>
-            <a:stCxn id="82" idx="3"/>
+            <a:stCxn id="122" idx="3"/>
           </p:cNvCxnSpPr>
           <p:nvPr/>
         </p:nvCxnSpPr>
@@ -13384,7 +13852,7 @@
       </p:cxnSp>
       <p:sp>
         <p:nvSpPr>
-          <p:cNvPr id="85" name="TextBox 84"/>
+          <p:cNvPr id="125" name="TextBox 124"/>
           <p:cNvSpPr txBox="1"/>
           <p:nvPr/>
         </p:nvSpPr>
@@ -13422,7 +13890,7 @@
       </p:sp>
       <p:sp>
         <p:nvSpPr>
-          <p:cNvPr id="87" name="TextBox 86"/>
+          <p:cNvPr id="126" name="TextBox 125"/>
           <p:cNvSpPr txBox="1"/>
           <p:nvPr/>
         </p:nvSpPr>
@@ -13463,7 +13931,7 @@
       </p:sp>
       <p:sp>
         <p:nvSpPr>
-          <p:cNvPr id="88" name="Rectangle 87"/>
+          <p:cNvPr id="127" name="Rectangle 126"/>
           <p:cNvSpPr/>
           <p:nvPr/>
         </p:nvSpPr>
@@ -13500,7 +13968,7 @@
       </p:sp>
       <p:sp>
         <p:nvSpPr>
-          <p:cNvPr id="89" name="Rectangle 88"/>
+          <p:cNvPr id="128" name="Rectangle 127"/>
           <p:cNvSpPr/>
           <p:nvPr/>
         </p:nvSpPr>
@@ -13537,7 +14005,7 @@
       </p:sp>
       <p:sp>
         <p:nvSpPr>
-          <p:cNvPr id="90" name="Rectangle 89"/>
+          <p:cNvPr id="129" name="Rectangle 128"/>
           <p:cNvSpPr/>
           <p:nvPr/>
         </p:nvSpPr>
@@ -13566,7 +14034,7 @@
       </p:sp>
       <p:sp>
         <p:nvSpPr>
-          <p:cNvPr id="91" name="TextBox 90"/>
+          <p:cNvPr id="130" name="TextBox 129"/>
           <p:cNvSpPr txBox="1"/>
           <p:nvPr/>
         </p:nvSpPr>
@@ -13604,37 +14072,135 @@
       </p:sp>
       <p:sp>
         <p:nvSpPr>
-          <p:cNvPr id="3" name="Rectangle 2"/>
-          <p:cNvSpPr/>
-          <p:nvPr/>
-        </p:nvSpPr>
-        <p:spPr>
-          <a:xfrm>
-            <a:off x="368906" y="6276264"/>
-            <a:ext cx="1172579" cy="369332"/>
+          <p:cNvPr id="131" name="TextBox 130"/>
+          <p:cNvSpPr txBox="1"/>
+          <p:nvPr/>
+        </p:nvSpPr>
+        <p:spPr>
+          <a:xfrm>
+            <a:off x="1499139" y="4634218"/>
+            <a:ext cx="1787825" cy="430887"/>
           </a:xfrm>
           <a:prstGeom prst="rect">
             <a:avLst/>
           </a:prstGeom>
-        </p:spPr>
-        <p:txBody>
-          <a:bodyPr wrap="none">
+          <a:noFill/>
+        </p:spPr>
+        <p:txBody>
+          <a:bodyPr wrap="none" rtlCol="0">
             <a:spAutoFit/>
           </a:bodyPr>
           <a:lstStyle/>
           <a:p>
-            <a:r>
-              <a:rPr lang="en-US" b="1" dirty="0" err="1" smtClean="0"/>
-              <a:t>enqueue</a:t>
-            </a:r>
-            <a:r>
-              <a:rPr lang="en-US" b="1" dirty="0" smtClean="0"/>
+            <a:pPr algn="r"/>
+            <a:r>
+              <a:rPr lang="en-US" sz="1100" b="1" dirty="0" smtClean="0">
+                <a:solidFill>
+                  <a:srgbClr val="4F81BD"/>
+                </a:solidFill>
+              </a:rPr>
+              <a:t>if (</a:t>
+            </a:r>
+            <a:r>
+              <a:rPr lang="en-US" sz="1100" b="1" dirty="0" err="1" smtClean="0">
+                <a:solidFill>
+                  <a:srgbClr val="4F81BD"/>
+                </a:solidFill>
+              </a:rPr>
+              <a:t>start_time</a:t>
+            </a:r>
+            <a:r>
+              <a:rPr lang="en-US" sz="1100" b="1" dirty="0" smtClean="0">
+                <a:solidFill>
+                  <a:srgbClr val="4F81BD"/>
+                </a:solidFill>
+              </a:rPr>
+              <a:t> &gt; global time)</a:t>
+            </a:r>
+          </a:p>
+          <a:p>
+            <a:pPr algn="r"/>
+            <a:r>
+              <a:rPr lang="en-US" sz="1100" b="1" dirty="0" smtClean="0">
+                <a:solidFill>
+                  <a:srgbClr val="4F81BD"/>
+                </a:solidFill>
+              </a:rPr>
+              <a:t>then </a:t>
+            </a:r>
+            <a:r>
+              <a:rPr lang="en-US" sz="1100" b="1" dirty="0" err="1" smtClean="0">
+                <a:solidFill>
+                  <a:srgbClr val="4F81BD"/>
+                </a:solidFill>
+              </a:rPr>
+              <a:t>enq</a:t>
+            </a:r>
+            <a:r>
+              <a:rPr lang="en-US" sz="1100" b="1" dirty="0" smtClean="0">
+                <a:solidFill>
+                  <a:srgbClr val="4F81BD"/>
+                </a:solidFill>
+              </a:rPr>
+              <a:t>() &amp; re-</a:t>
+            </a:r>
+            <a:r>
+              <a:rPr lang="en-US" sz="1100" b="1" dirty="0" err="1" smtClean="0">
+                <a:solidFill>
+                  <a:srgbClr val="4F81BD"/>
+                </a:solidFill>
+              </a:rPr>
+              <a:t>sched</a:t>
+            </a:r>
+            <a:r>
+              <a:rPr lang="en-US" sz="1100" b="1" dirty="0" smtClean="0">
+                <a:solidFill>
+                  <a:srgbClr val="4F81BD"/>
+                </a:solidFill>
+              </a:rPr>
               <a:t>()</a:t>
             </a:r>
-            <a:endParaRPr lang="en-US" dirty="0"/>
-          </a:p>
-        </p:txBody>
-      </p:sp>
+            <a:endParaRPr lang="en-US" sz="1100" b="1" dirty="0">
+              <a:solidFill>
+                <a:srgbClr val="4F81BD"/>
+              </a:solidFill>
+            </a:endParaRPr>
+          </a:p>
+        </p:txBody>
+      </p:sp>
+      <p:cxnSp>
+        <p:nvCxnSpPr>
+          <p:cNvPr id="132" name="Straight Arrow Connector 131"/>
+          <p:cNvCxnSpPr/>
+          <p:nvPr/>
+        </p:nvCxnSpPr>
+        <p:spPr>
+          <a:xfrm flipV="1">
+            <a:off x="2125212" y="4311233"/>
+            <a:ext cx="0" cy="349199"/>
+          </a:xfrm>
+          <a:prstGeom prst="straightConnector1">
+            <a:avLst/>
+          </a:prstGeom>
+          <a:ln>
+            <a:tailEnd type="arrow"/>
+          </a:ln>
+        </p:spPr>
+        <p:style>
+          <a:lnRef idx="2">
+            <a:schemeClr val="accent1"/>
+          </a:lnRef>
+          <a:fillRef idx="0">
+            <a:schemeClr val="accent1"/>
+          </a:fillRef>
+          <a:effectRef idx="1">
+            <a:schemeClr val="accent1"/>
+          </a:effectRef>
+          <a:fontRef idx="minor">
+            <a:schemeClr val="tx1"/>
+          </a:fontRef>
+        </p:style>
+      </p:cxnSp>
     </p:spTree>
     <p:extLst>
       <p:ext uri="{BB962C8B-B14F-4D97-AF65-F5344CB8AC3E}">
